--- a/Heart Disease Prediction.pptx
+++ b/Heart Disease Prediction.pptx
@@ -12,6 +12,14 @@
     <p:sldId id="260" r:id="rId6"/>
     <p:sldId id="261" r:id="rId7"/>
     <p:sldId id="262" r:id="rId8"/>
+    <p:sldId id="263" r:id="rId9"/>
+    <p:sldId id="264" r:id="rId10"/>
+    <p:sldId id="265" r:id="rId11"/>
+    <p:sldId id="266" r:id="rId12"/>
+    <p:sldId id="267" r:id="rId13"/>
+    <p:sldId id="268" r:id="rId14"/>
+    <p:sldId id="269" r:id="rId15"/>
+    <p:sldId id="270" r:id="rId16"/>
   </p:sldIdLst>
   <p:sldSz cx="12192000" cy="6858000"/>
   <p:notesSz cx="6858000" cy="9144000"/>
@@ -110,6 +118,11 @@
       </a:defRPr>
     </a:lvl9pPr>
   </p:defaultTextStyle>
+  <p:extLst>
+    <p:ext uri="{EFAFB233-063F-42B5-8137-9DF3F51BA10A}">
+      <p15:sldGuideLst xmlns:p15="http://schemas.microsoft.com/office/powerpoint/2012/main"/>
+    </p:ext>
+  </p:extLst>
 </p:presentation>
 </file>
 
@@ -3396,6 +3409,738 @@
 </p:sld>
 </file>
 
+<file path=ppt/slides/slide10.xml><?xml version="1.0" encoding="utf-8"?>
+<p:sld xmlns:a="http://schemas.openxmlformats.org/drawingml/2006/main" xmlns:r="http://schemas.openxmlformats.org/officeDocument/2006/relationships" xmlns:p="http://schemas.openxmlformats.org/presentationml/2006/main">
+  <p:cSld>
+    <p:spTree>
+      <p:nvGrpSpPr>
+        <p:cNvPr id="1" name=""/>
+        <p:cNvGrpSpPr/>
+        <p:nvPr/>
+      </p:nvGrpSpPr>
+      <p:grpSpPr>
+        <a:xfrm>
+          <a:off x="0" y="0"/>
+          <a:ext cx="0" cy="0"/>
+          <a:chOff x="0" y="0"/>
+          <a:chExt cx="0" cy="0"/>
+        </a:xfrm>
+      </p:grpSpPr>
+      <p:sp>
+        <p:nvSpPr>
+          <p:cNvPr id="2" name="Title 1">
+            <a:extLst>
+              <a:ext uri="{FF2B5EF4-FFF2-40B4-BE49-F238E27FC236}">
+                <a16:creationId xmlns:a16="http://schemas.microsoft.com/office/drawing/2014/main" id="{6F94CB91-568A-E8A4-6515-9B5DD29D3F53}"/>
+              </a:ext>
+            </a:extLst>
+          </p:cNvPr>
+          <p:cNvSpPr>
+            <a:spLocks noGrp="1"/>
+          </p:cNvSpPr>
+          <p:nvPr>
+            <p:ph type="title"/>
+          </p:nvPr>
+        </p:nvSpPr>
+        <p:spPr>
+          <a:xfrm>
+            <a:off x="703288" y="318326"/>
+            <a:ext cx="10515600" cy="1325563"/>
+          </a:xfrm>
+        </p:spPr>
+        <p:txBody>
+          <a:bodyPr/>
+          <a:lstStyle/>
+          <a:p>
+            <a:r>
+              <a:rPr lang="en-US" sz="4000" b="1" dirty="0">
+                <a:solidFill>
+                  <a:srgbClr val="6796E6"/>
+                </a:solidFill>
+                <a:latin typeface="Consolas" panose="020B0609020204030204" pitchFamily="49" charset="0"/>
+              </a:rPr>
+              <a:t>Visualizations of h</a:t>
+            </a:r>
+            <a:r>
+              <a:rPr kumimoji="0" lang="en-US" sz="4000" b="1" i="0" u="none" strike="noStrike" kern="1200" cap="none" spc="0" normalizeH="0" baseline="0" noProof="0" dirty="0" err="1">
+                <a:ln>
+                  <a:noFill/>
+                </a:ln>
+                <a:solidFill>
+                  <a:srgbClr val="6796E6"/>
+                </a:solidFill>
+                <a:effectLst/>
+                <a:uLnTx/>
+                <a:uFillTx/>
+                <a:latin typeface="Consolas" panose="020B0609020204030204" pitchFamily="49" charset="0"/>
+                <a:ea typeface="+mj-ea"/>
+                <a:cs typeface="+mj-cs"/>
+              </a:rPr>
+              <a:t>ighly</a:t>
+            </a:r>
+            <a:r>
+              <a:rPr kumimoji="0" lang="en-US" sz="4000" b="1" i="0" u="none" strike="noStrike" kern="1200" cap="none" spc="0" normalizeH="0" baseline="0" noProof="0" dirty="0">
+                <a:ln>
+                  <a:noFill/>
+                </a:ln>
+                <a:solidFill>
+                  <a:srgbClr val="6796E6"/>
+                </a:solidFill>
+                <a:effectLst/>
+                <a:uLnTx/>
+                <a:uFillTx/>
+                <a:latin typeface="Consolas" panose="020B0609020204030204" pitchFamily="49" charset="0"/>
+                <a:ea typeface="+mj-ea"/>
+                <a:cs typeface="+mj-cs"/>
+              </a:rPr>
+              <a:t> correlated variables</a:t>
+            </a:r>
+            <a:endParaRPr lang="en-US" dirty="0"/>
+          </a:p>
+        </p:txBody>
+      </p:sp>
+      <p:pic>
+        <p:nvPicPr>
+          <p:cNvPr id="5" name="Content Placeholder 4">
+            <a:extLst>
+              <a:ext uri="{FF2B5EF4-FFF2-40B4-BE49-F238E27FC236}">
+                <a16:creationId xmlns:a16="http://schemas.microsoft.com/office/drawing/2014/main" id="{DEC6D233-6011-5ED5-070F-14351BC95497}"/>
+              </a:ext>
+            </a:extLst>
+          </p:cNvPr>
+          <p:cNvPicPr>
+            <a:picLocks noGrp="1" noChangeAspect="1"/>
+          </p:cNvPicPr>
+          <p:nvPr>
+            <p:ph idx="1"/>
+          </p:nvPr>
+        </p:nvPicPr>
+        <p:blipFill>
+          <a:blip r:embed="rId2"/>
+          <a:stretch>
+            <a:fillRect/>
+          </a:stretch>
+        </p:blipFill>
+        <p:spPr>
+          <a:xfrm>
+            <a:off x="1514007" y="1454046"/>
+            <a:ext cx="9031198" cy="5187359"/>
+          </a:xfrm>
+        </p:spPr>
+      </p:pic>
+    </p:spTree>
+    <p:extLst>
+      <p:ext uri="{BB962C8B-B14F-4D97-AF65-F5344CB8AC3E}">
+        <p14:creationId xmlns:p14="http://schemas.microsoft.com/office/powerpoint/2010/main" val="3798717318"/>
+      </p:ext>
+    </p:extLst>
+  </p:cSld>
+  <p:clrMapOvr>
+    <a:masterClrMapping/>
+  </p:clrMapOvr>
+</p:sld>
+</file>
+
+<file path=ppt/slides/slide11.xml><?xml version="1.0" encoding="utf-8"?>
+<p:sld xmlns:a="http://schemas.openxmlformats.org/drawingml/2006/main" xmlns:r="http://schemas.openxmlformats.org/officeDocument/2006/relationships" xmlns:p="http://schemas.openxmlformats.org/presentationml/2006/main">
+  <p:cSld>
+    <p:spTree>
+      <p:nvGrpSpPr>
+        <p:cNvPr id="1" name=""/>
+        <p:cNvGrpSpPr/>
+        <p:nvPr/>
+      </p:nvGrpSpPr>
+      <p:grpSpPr>
+        <a:xfrm>
+          <a:off x="0" y="0"/>
+          <a:ext cx="0" cy="0"/>
+          <a:chOff x="0" y="0"/>
+          <a:chExt cx="0" cy="0"/>
+        </a:xfrm>
+      </p:grpSpPr>
+      <p:sp>
+        <p:nvSpPr>
+          <p:cNvPr id="2" name="Title 1">
+            <a:extLst>
+              <a:ext uri="{FF2B5EF4-FFF2-40B4-BE49-F238E27FC236}">
+                <a16:creationId xmlns:a16="http://schemas.microsoft.com/office/drawing/2014/main" id="{046CE007-5262-AD78-8FAD-E81CD9B1F0E8}"/>
+              </a:ext>
+            </a:extLst>
+          </p:cNvPr>
+          <p:cNvSpPr>
+            <a:spLocks noGrp="1"/>
+          </p:cNvSpPr>
+          <p:nvPr>
+            <p:ph type="title"/>
+          </p:nvPr>
+        </p:nvSpPr>
+        <p:spPr/>
+        <p:txBody>
+          <a:bodyPr/>
+          <a:lstStyle/>
+          <a:p>
+            <a:r>
+              <a:rPr lang="en-US" sz="4400" b="1" dirty="0">
+                <a:solidFill>
+                  <a:srgbClr val="6796E6"/>
+                </a:solidFill>
+                <a:latin typeface="Consolas" panose="020B0609020204030204" pitchFamily="49" charset="0"/>
+              </a:rPr>
+              <a:t>Visualizations of h</a:t>
+            </a:r>
+            <a:r>
+              <a:rPr kumimoji="0" lang="en-US" sz="4400" b="1" i="0" u="none" strike="noStrike" kern="1200" cap="none" spc="0" normalizeH="0" baseline="0" noProof="0" dirty="0" err="1">
+                <a:ln>
+                  <a:noFill/>
+                </a:ln>
+                <a:solidFill>
+                  <a:srgbClr val="6796E6"/>
+                </a:solidFill>
+                <a:effectLst/>
+                <a:uLnTx/>
+                <a:uFillTx/>
+                <a:latin typeface="Consolas" panose="020B0609020204030204" pitchFamily="49" charset="0"/>
+                <a:ea typeface="+mj-ea"/>
+                <a:cs typeface="+mj-cs"/>
+              </a:rPr>
+              <a:t>ighly</a:t>
+            </a:r>
+            <a:r>
+              <a:rPr kumimoji="0" lang="en-US" sz="4400" b="1" i="0" u="none" strike="noStrike" kern="1200" cap="none" spc="0" normalizeH="0" baseline="0" noProof="0" dirty="0">
+                <a:ln>
+                  <a:noFill/>
+                </a:ln>
+                <a:solidFill>
+                  <a:srgbClr val="6796E6"/>
+                </a:solidFill>
+                <a:effectLst/>
+                <a:uLnTx/>
+                <a:uFillTx/>
+                <a:latin typeface="Consolas" panose="020B0609020204030204" pitchFamily="49" charset="0"/>
+                <a:ea typeface="+mj-ea"/>
+                <a:cs typeface="+mj-cs"/>
+              </a:rPr>
+              <a:t> correlated variables</a:t>
+            </a:r>
+            <a:endParaRPr lang="en-US" dirty="0"/>
+          </a:p>
+        </p:txBody>
+      </p:sp>
+      <p:pic>
+        <p:nvPicPr>
+          <p:cNvPr id="5" name="Content Placeholder 4">
+            <a:extLst>
+              <a:ext uri="{FF2B5EF4-FFF2-40B4-BE49-F238E27FC236}">
+                <a16:creationId xmlns:a16="http://schemas.microsoft.com/office/drawing/2014/main" id="{6AA9D06C-A4B5-ECBE-953F-B79396E70C13}"/>
+              </a:ext>
+            </a:extLst>
+          </p:cNvPr>
+          <p:cNvPicPr>
+            <a:picLocks noGrp="1" noChangeAspect="1"/>
+          </p:cNvPicPr>
+          <p:nvPr>
+            <p:ph idx="1"/>
+          </p:nvPr>
+        </p:nvPicPr>
+        <p:blipFill>
+          <a:blip r:embed="rId2"/>
+          <a:stretch>
+            <a:fillRect/>
+          </a:stretch>
+        </p:blipFill>
+        <p:spPr>
+          <a:xfrm>
+            <a:off x="1331495" y="1858169"/>
+            <a:ext cx="9689431" cy="4876386"/>
+          </a:xfrm>
+        </p:spPr>
+      </p:pic>
+    </p:spTree>
+    <p:extLst>
+      <p:ext uri="{BB962C8B-B14F-4D97-AF65-F5344CB8AC3E}">
+        <p14:creationId xmlns:p14="http://schemas.microsoft.com/office/powerpoint/2010/main" val="1477155498"/>
+      </p:ext>
+    </p:extLst>
+  </p:cSld>
+  <p:clrMapOvr>
+    <a:masterClrMapping/>
+  </p:clrMapOvr>
+</p:sld>
+</file>
+
+<file path=ppt/slides/slide12.xml><?xml version="1.0" encoding="utf-8"?>
+<p:sld xmlns:a="http://schemas.openxmlformats.org/drawingml/2006/main" xmlns:r="http://schemas.openxmlformats.org/officeDocument/2006/relationships" xmlns:p="http://schemas.openxmlformats.org/presentationml/2006/main">
+  <p:cSld>
+    <p:spTree>
+      <p:nvGrpSpPr>
+        <p:cNvPr id="1" name=""/>
+        <p:cNvGrpSpPr/>
+        <p:nvPr/>
+      </p:nvGrpSpPr>
+      <p:grpSpPr>
+        <a:xfrm>
+          <a:off x="0" y="0"/>
+          <a:ext cx="0" cy="0"/>
+          <a:chOff x="0" y="0"/>
+          <a:chExt cx="0" cy="0"/>
+        </a:xfrm>
+      </p:grpSpPr>
+      <p:sp>
+        <p:nvSpPr>
+          <p:cNvPr id="2" name="Title 1">
+            <a:extLst>
+              <a:ext uri="{FF2B5EF4-FFF2-40B4-BE49-F238E27FC236}">
+                <a16:creationId xmlns:a16="http://schemas.microsoft.com/office/drawing/2014/main" id="{A07C1833-A8A1-C765-8238-CA0D25B39F09}"/>
+              </a:ext>
+            </a:extLst>
+          </p:cNvPr>
+          <p:cNvSpPr>
+            <a:spLocks noGrp="1"/>
+          </p:cNvSpPr>
+          <p:nvPr>
+            <p:ph type="title"/>
+          </p:nvPr>
+        </p:nvSpPr>
+        <p:spPr/>
+        <p:txBody>
+          <a:bodyPr/>
+          <a:lstStyle/>
+          <a:p>
+            <a:r>
+              <a:rPr lang="en-US" sz="4400" b="1" dirty="0">
+                <a:solidFill>
+                  <a:srgbClr val="6796E6"/>
+                </a:solidFill>
+                <a:latin typeface="Consolas" panose="020B0609020204030204" pitchFamily="49" charset="0"/>
+              </a:rPr>
+              <a:t>Visualizations of h</a:t>
+            </a:r>
+            <a:r>
+              <a:rPr kumimoji="0" lang="en-US" sz="4400" b="1" i="0" u="none" strike="noStrike" kern="1200" cap="none" spc="0" normalizeH="0" baseline="0" noProof="0" dirty="0" err="1">
+                <a:ln>
+                  <a:noFill/>
+                </a:ln>
+                <a:solidFill>
+                  <a:srgbClr val="6796E6"/>
+                </a:solidFill>
+                <a:effectLst/>
+                <a:uLnTx/>
+                <a:uFillTx/>
+                <a:latin typeface="Consolas" panose="020B0609020204030204" pitchFamily="49" charset="0"/>
+                <a:ea typeface="+mj-ea"/>
+                <a:cs typeface="+mj-cs"/>
+              </a:rPr>
+              <a:t>ighly</a:t>
+            </a:r>
+            <a:r>
+              <a:rPr kumimoji="0" lang="en-US" sz="4400" b="1" i="0" u="none" strike="noStrike" kern="1200" cap="none" spc="0" normalizeH="0" baseline="0" noProof="0" dirty="0">
+                <a:ln>
+                  <a:noFill/>
+                </a:ln>
+                <a:solidFill>
+                  <a:srgbClr val="6796E6"/>
+                </a:solidFill>
+                <a:effectLst/>
+                <a:uLnTx/>
+                <a:uFillTx/>
+                <a:latin typeface="Consolas" panose="020B0609020204030204" pitchFamily="49" charset="0"/>
+                <a:ea typeface="+mj-ea"/>
+                <a:cs typeface="+mj-cs"/>
+              </a:rPr>
+              <a:t> correlated variables</a:t>
+            </a:r>
+            <a:endParaRPr lang="en-US" dirty="0"/>
+          </a:p>
+        </p:txBody>
+      </p:sp>
+      <p:pic>
+        <p:nvPicPr>
+          <p:cNvPr id="5" name="Content Placeholder 4">
+            <a:extLst>
+              <a:ext uri="{FF2B5EF4-FFF2-40B4-BE49-F238E27FC236}">
+                <a16:creationId xmlns:a16="http://schemas.microsoft.com/office/drawing/2014/main" id="{EE901503-3F5C-DC0F-5190-E723E3250112}"/>
+              </a:ext>
+            </a:extLst>
+          </p:cNvPr>
+          <p:cNvPicPr>
+            <a:picLocks noGrp="1" noChangeAspect="1"/>
+          </p:cNvPicPr>
+          <p:nvPr>
+            <p:ph idx="1"/>
+          </p:nvPr>
+        </p:nvPicPr>
+        <p:blipFill>
+          <a:blip r:embed="rId2"/>
+          <a:stretch>
+            <a:fillRect/>
+          </a:stretch>
+        </p:blipFill>
+        <p:spPr>
+          <a:xfrm>
+            <a:off x="641683" y="1858169"/>
+            <a:ext cx="10924675" cy="4882774"/>
+          </a:xfrm>
+        </p:spPr>
+      </p:pic>
+    </p:spTree>
+    <p:extLst>
+      <p:ext uri="{BB962C8B-B14F-4D97-AF65-F5344CB8AC3E}">
+        <p14:creationId xmlns:p14="http://schemas.microsoft.com/office/powerpoint/2010/main" val="3903115264"/>
+      </p:ext>
+    </p:extLst>
+  </p:cSld>
+  <p:clrMapOvr>
+    <a:masterClrMapping/>
+  </p:clrMapOvr>
+</p:sld>
+</file>
+
+<file path=ppt/slides/slide13.xml><?xml version="1.0" encoding="utf-8"?>
+<p:sld xmlns:a="http://schemas.openxmlformats.org/drawingml/2006/main" xmlns:r="http://schemas.openxmlformats.org/officeDocument/2006/relationships" xmlns:p="http://schemas.openxmlformats.org/presentationml/2006/main">
+  <p:cSld>
+    <p:spTree>
+      <p:nvGrpSpPr>
+        <p:cNvPr id="1" name=""/>
+        <p:cNvGrpSpPr/>
+        <p:nvPr/>
+      </p:nvGrpSpPr>
+      <p:grpSpPr>
+        <a:xfrm>
+          <a:off x="0" y="0"/>
+          <a:ext cx="0" cy="0"/>
+          <a:chOff x="0" y="0"/>
+          <a:chExt cx="0" cy="0"/>
+        </a:xfrm>
+      </p:grpSpPr>
+      <p:sp>
+        <p:nvSpPr>
+          <p:cNvPr id="2" name="Title 1">
+            <a:extLst>
+              <a:ext uri="{FF2B5EF4-FFF2-40B4-BE49-F238E27FC236}">
+                <a16:creationId xmlns:a16="http://schemas.microsoft.com/office/drawing/2014/main" id="{96FF2EE1-892D-35BB-0C3C-28B47B786702}"/>
+              </a:ext>
+            </a:extLst>
+          </p:cNvPr>
+          <p:cNvSpPr>
+            <a:spLocks noGrp="1"/>
+          </p:cNvSpPr>
+          <p:nvPr>
+            <p:ph type="title"/>
+          </p:nvPr>
+        </p:nvSpPr>
+        <p:spPr/>
+        <p:txBody>
+          <a:bodyPr/>
+          <a:lstStyle/>
+          <a:p>
+            <a:r>
+              <a:rPr lang="en-US" b="1" dirty="0">
+                <a:solidFill>
+                  <a:srgbClr val="6796E6"/>
+                </a:solidFill>
+                <a:effectLst/>
+                <a:latin typeface="Consolas" panose="020B0609020204030204" pitchFamily="49" charset="0"/>
+              </a:rPr>
+              <a:t>Creation and selection of models</a:t>
+            </a:r>
+            <a:br>
+              <a:rPr lang="en-US" b="0" dirty="0">
+                <a:solidFill>
+                  <a:srgbClr val="FFFFFF"/>
+                </a:solidFill>
+                <a:effectLst/>
+                <a:latin typeface="Consolas" panose="020B0609020204030204" pitchFamily="49" charset="0"/>
+              </a:rPr>
+            </a:br>
+            <a:endParaRPr lang="en-US" dirty="0"/>
+          </a:p>
+        </p:txBody>
+      </p:sp>
+      <p:sp>
+        <p:nvSpPr>
+          <p:cNvPr id="3" name="Content Placeholder 2">
+            <a:extLst>
+              <a:ext uri="{FF2B5EF4-FFF2-40B4-BE49-F238E27FC236}">
+                <a16:creationId xmlns:a16="http://schemas.microsoft.com/office/drawing/2014/main" id="{CCC98F32-C627-D677-F791-5744F7AEA446}"/>
+              </a:ext>
+            </a:extLst>
+          </p:cNvPr>
+          <p:cNvSpPr>
+            <a:spLocks noGrp="1"/>
+          </p:cNvSpPr>
+          <p:nvPr>
+            <p:ph idx="1"/>
+          </p:nvPr>
+        </p:nvSpPr>
+        <p:spPr/>
+        <p:txBody>
+          <a:bodyPr/>
+          <a:lstStyle/>
+          <a:p>
+            <a:r>
+              <a:rPr lang="en-US" dirty="0"/>
+              <a:t>Logistic Regression: </a:t>
+            </a:r>
+            <a:r>
+              <a:rPr lang="en-US" b="1" u="sng" dirty="0"/>
+              <a:t>0.8333333333333334</a:t>
+            </a:r>
+          </a:p>
+          <a:p>
+            <a:r>
+              <a:rPr lang="en-US" dirty="0"/>
+              <a:t>K-Nearest Neighbors: 0.7037037037037037</a:t>
+            </a:r>
+          </a:p>
+          <a:p>
+            <a:r>
+              <a:rPr lang="en-US" dirty="0"/>
+              <a:t>Support Vector Machines: 0.7407407407407407</a:t>
+            </a:r>
+          </a:p>
+          <a:p>
+            <a:r>
+              <a:rPr lang="en-US" dirty="0"/>
+              <a:t>Decision Trees: 0.8148148148148148</a:t>
+            </a:r>
+          </a:p>
+          <a:p>
+            <a:r>
+              <a:rPr lang="en-US" dirty="0"/>
+              <a:t>Random Forests: 0.7962962962962963</a:t>
+            </a:r>
+          </a:p>
+          <a:p>
+            <a:endParaRPr lang="en-US" dirty="0"/>
+          </a:p>
+          <a:p>
+            <a:r>
+              <a:rPr lang="en-US" dirty="0"/>
+              <a:t>From the scores above, Logistic regression is the best Machine Learning Model to be applied for the prediction of the project.</a:t>
+            </a:r>
+          </a:p>
+        </p:txBody>
+      </p:sp>
+    </p:spTree>
+    <p:extLst>
+      <p:ext uri="{BB962C8B-B14F-4D97-AF65-F5344CB8AC3E}">
+        <p14:creationId xmlns:p14="http://schemas.microsoft.com/office/powerpoint/2010/main" val="972433432"/>
+      </p:ext>
+    </p:extLst>
+  </p:cSld>
+  <p:clrMapOvr>
+    <a:masterClrMapping/>
+  </p:clrMapOvr>
+</p:sld>
+</file>
+
+<file path=ppt/slides/slide14.xml><?xml version="1.0" encoding="utf-8"?>
+<p:sld xmlns:a="http://schemas.openxmlformats.org/drawingml/2006/main" xmlns:r="http://schemas.openxmlformats.org/officeDocument/2006/relationships" xmlns:p="http://schemas.openxmlformats.org/presentationml/2006/main">
+  <p:cSld>
+    <p:spTree>
+      <p:nvGrpSpPr>
+        <p:cNvPr id="1" name=""/>
+        <p:cNvGrpSpPr/>
+        <p:nvPr/>
+      </p:nvGrpSpPr>
+      <p:grpSpPr>
+        <a:xfrm>
+          <a:off x="0" y="0"/>
+          <a:ext cx="0" cy="0"/>
+          <a:chOff x="0" y="0"/>
+          <a:chExt cx="0" cy="0"/>
+        </a:xfrm>
+      </p:grpSpPr>
+      <p:sp>
+        <p:nvSpPr>
+          <p:cNvPr id="2" name="Title 1">
+            <a:extLst>
+              <a:ext uri="{FF2B5EF4-FFF2-40B4-BE49-F238E27FC236}">
+                <a16:creationId xmlns:a16="http://schemas.microsoft.com/office/drawing/2014/main" id="{1918CFB8-F9CC-1517-2A7C-6DCF6CEF8F61}"/>
+              </a:ext>
+            </a:extLst>
+          </p:cNvPr>
+          <p:cNvSpPr>
+            <a:spLocks noGrp="1"/>
+          </p:cNvSpPr>
+          <p:nvPr>
+            <p:ph type="title"/>
+          </p:nvPr>
+        </p:nvSpPr>
+        <p:spPr>
+          <a:xfrm>
+            <a:off x="838200" y="365125"/>
+            <a:ext cx="10515600" cy="1058941"/>
+          </a:xfrm>
+        </p:spPr>
+        <p:txBody>
+          <a:bodyPr>
+            <a:normAutofit fontScale="90000"/>
+          </a:bodyPr>
+          <a:lstStyle/>
+          <a:p>
+            <a:r>
+              <a:rPr kumimoji="0" lang="en-US" sz="4400" b="1" i="0" u="none" strike="noStrike" kern="1200" cap="none" spc="0" normalizeH="0" baseline="0" noProof="0" dirty="0">
+                <a:ln>
+                  <a:noFill/>
+                </a:ln>
+                <a:solidFill>
+                  <a:srgbClr val="6796E6"/>
+                </a:solidFill>
+                <a:effectLst/>
+                <a:uLnTx/>
+                <a:uFillTx/>
+                <a:latin typeface="Consolas" panose="020B0609020204030204" pitchFamily="49" charset="0"/>
+                <a:ea typeface="+mj-ea"/>
+                <a:cs typeface="+mj-cs"/>
+              </a:rPr>
+              <a:t>Logistic regression tuned confusion matrix</a:t>
+            </a:r>
+            <a:endParaRPr lang="en-US" dirty="0"/>
+          </a:p>
+        </p:txBody>
+      </p:sp>
+      <p:pic>
+        <p:nvPicPr>
+          <p:cNvPr id="5" name="Content Placeholder 4">
+            <a:extLst>
+              <a:ext uri="{FF2B5EF4-FFF2-40B4-BE49-F238E27FC236}">
+                <a16:creationId xmlns:a16="http://schemas.microsoft.com/office/drawing/2014/main" id="{8B85AB43-BC92-1A52-9940-D06168F80B23}"/>
+              </a:ext>
+            </a:extLst>
+          </p:cNvPr>
+          <p:cNvPicPr>
+            <a:picLocks noGrp="1" noChangeAspect="1"/>
+          </p:cNvPicPr>
+          <p:nvPr>
+            <p:ph idx="1"/>
+          </p:nvPr>
+        </p:nvPicPr>
+        <p:blipFill>
+          <a:blip r:embed="rId2"/>
+          <a:stretch>
+            <a:fillRect/>
+          </a:stretch>
+        </p:blipFill>
+        <p:spPr>
+          <a:xfrm>
+            <a:off x="838200" y="1424066"/>
+            <a:ext cx="8980357" cy="5239131"/>
+          </a:xfrm>
+        </p:spPr>
+      </p:pic>
+    </p:spTree>
+    <p:extLst>
+      <p:ext uri="{BB962C8B-B14F-4D97-AF65-F5344CB8AC3E}">
+        <p14:creationId xmlns:p14="http://schemas.microsoft.com/office/powerpoint/2010/main" val="1737793725"/>
+      </p:ext>
+    </p:extLst>
+  </p:cSld>
+  <p:clrMapOvr>
+    <a:masterClrMapping/>
+  </p:clrMapOvr>
+</p:sld>
+</file>
+
+<file path=ppt/slides/slide15.xml><?xml version="1.0" encoding="utf-8"?>
+<p:sld xmlns:a="http://schemas.openxmlformats.org/drawingml/2006/main" xmlns:r="http://schemas.openxmlformats.org/officeDocument/2006/relationships" xmlns:p="http://schemas.openxmlformats.org/presentationml/2006/main">
+  <p:cSld>
+    <p:spTree>
+      <p:nvGrpSpPr>
+        <p:cNvPr id="1" name=""/>
+        <p:cNvGrpSpPr/>
+        <p:nvPr/>
+      </p:nvGrpSpPr>
+      <p:grpSpPr>
+        <a:xfrm>
+          <a:off x="0" y="0"/>
+          <a:ext cx="0" cy="0"/>
+          <a:chOff x="0" y="0"/>
+          <a:chExt cx="0" cy="0"/>
+        </a:xfrm>
+      </p:grpSpPr>
+      <p:sp>
+        <p:nvSpPr>
+          <p:cNvPr id="2" name="Title 1">
+            <a:extLst>
+              <a:ext uri="{FF2B5EF4-FFF2-40B4-BE49-F238E27FC236}">
+                <a16:creationId xmlns:a16="http://schemas.microsoft.com/office/drawing/2014/main" id="{A211973F-1232-3DD6-B13E-B4ACE3397F27}"/>
+              </a:ext>
+            </a:extLst>
+          </p:cNvPr>
+          <p:cNvSpPr>
+            <a:spLocks noGrp="1"/>
+          </p:cNvSpPr>
+          <p:nvPr>
+            <p:ph type="title"/>
+          </p:nvPr>
+        </p:nvSpPr>
+        <p:spPr/>
+        <p:txBody>
+          <a:bodyPr>
+            <a:normAutofit/>
+          </a:bodyPr>
+          <a:lstStyle/>
+          <a:p>
+            <a:r>
+              <a:rPr kumimoji="0" lang="en-US" sz="4000" b="1" i="0" u="none" strike="noStrike" kern="1200" cap="none" spc="0" normalizeH="0" baseline="0" noProof="0" dirty="0">
+                <a:ln>
+                  <a:noFill/>
+                </a:ln>
+                <a:solidFill>
+                  <a:srgbClr val="6796E6"/>
+                </a:solidFill>
+                <a:effectLst/>
+                <a:uLnTx/>
+                <a:uFillTx/>
+                <a:latin typeface="Consolas" panose="020B0609020204030204" pitchFamily="49" charset="0"/>
+                <a:ea typeface="+mj-ea"/>
+                <a:cs typeface="+mj-cs"/>
+              </a:rPr>
+              <a:t>Development and deployment of data app using stream lit.</a:t>
+            </a:r>
+            <a:endParaRPr lang="en-US" dirty="0"/>
+          </a:p>
+        </p:txBody>
+      </p:sp>
+      <p:sp>
+        <p:nvSpPr>
+          <p:cNvPr id="3" name="Content Placeholder 2">
+            <a:extLst>
+              <a:ext uri="{FF2B5EF4-FFF2-40B4-BE49-F238E27FC236}">
+                <a16:creationId xmlns:a16="http://schemas.microsoft.com/office/drawing/2014/main" id="{EB864F36-3734-E7B3-F3F0-D44B2508EE11}"/>
+              </a:ext>
+            </a:extLst>
+          </p:cNvPr>
+          <p:cNvSpPr>
+            <a:spLocks noGrp="1"/>
+          </p:cNvSpPr>
+          <p:nvPr>
+            <p:ph idx="1"/>
+          </p:nvPr>
+        </p:nvSpPr>
+        <p:spPr/>
+        <p:txBody>
+          <a:bodyPr/>
+          <a:lstStyle/>
+          <a:p>
+            <a:endParaRPr lang="en-US" dirty="0"/>
+          </a:p>
+        </p:txBody>
+      </p:sp>
+    </p:spTree>
+    <p:extLst>
+      <p:ext uri="{BB962C8B-B14F-4D97-AF65-F5344CB8AC3E}">
+        <p14:creationId xmlns:p14="http://schemas.microsoft.com/office/powerpoint/2010/main" val="902360031"/>
+      </p:ext>
+    </p:extLst>
+  </p:cSld>
+  <p:clrMapOvr>
+    <a:masterClrMapping/>
+  </p:clrMapOvr>
+</p:sld>
+</file>
+
 <file path=ppt/slides/slide2.xml><?xml version="1.0" encoding="utf-8"?>
 <p:sld xmlns:a="http://schemas.openxmlformats.org/drawingml/2006/main" xmlns:r="http://schemas.openxmlformats.org/officeDocument/2006/relationships" xmlns:p="http://schemas.openxmlformats.org/presentationml/2006/main">
   <p:cSld>
@@ -3858,10 +4603,157 @@
             <p:ph idx="1"/>
           </p:nvPr>
         </p:nvSpPr>
-        <p:spPr/>
-        <p:txBody>
-          <a:bodyPr/>
-          <a:lstStyle/>
+        <p:spPr>
+          <a:xfrm>
+            <a:off x="164893" y="1094283"/>
+            <a:ext cx="11887200" cy="5636302"/>
+          </a:xfrm>
+        </p:spPr>
+        <p:txBody>
+          <a:bodyPr>
+            <a:normAutofit fontScale="40000" lnSpcReduction="20000"/>
+          </a:bodyPr>
+          <a:lstStyle/>
+          <a:p>
+            <a:r>
+              <a:rPr lang="en-US" sz="5100" b="1" dirty="0"/>
+              <a:t>Age</a:t>
+            </a:r>
+            <a:r>
+              <a:rPr lang="en-US" sz="5100" dirty="0"/>
+              <a:t>: (In years)</a:t>
+            </a:r>
+          </a:p>
+          <a:p>
+            <a:r>
+              <a:rPr lang="en-US" sz="5100" b="1" dirty="0"/>
+              <a:t>sex: </a:t>
+            </a:r>
+            <a:r>
+              <a:rPr lang="en-US" sz="5100" dirty="0"/>
+              <a:t>(1 = male; 0 = female)</a:t>
+            </a:r>
+          </a:p>
+          <a:p>
+            <a:r>
+              <a:rPr lang="en-US" sz="5100" b="1" dirty="0"/>
+              <a:t>chest_pain_type: </a:t>
+            </a:r>
+            <a:r>
+              <a:rPr lang="en-US" sz="5100" dirty="0"/>
+              <a:t>Value 1: typical angina -- Value 2: atypical angina -- Value 3: non-anginal pain -- Value 4: asymptomatic</a:t>
+            </a:r>
+          </a:p>
+          <a:p>
+            <a:r>
+              <a:rPr lang="en-US" sz="5100" b="1" dirty="0"/>
+              <a:t>bp:</a:t>
+            </a:r>
+            <a:r>
+              <a:rPr lang="en-US" sz="5100" dirty="0"/>
+              <a:t> resting blood pressure (in mm Hg on admission to the hospital)</a:t>
+            </a:r>
+          </a:p>
+          <a:p>
+            <a:r>
+              <a:rPr lang="en-US" sz="5100" b="1" dirty="0"/>
+              <a:t>cholestrol:</a:t>
+            </a:r>
+            <a:r>
+              <a:rPr lang="en-US" sz="5100" dirty="0"/>
+              <a:t> serum cholesterol in mg/dl</a:t>
+            </a:r>
+          </a:p>
+          <a:p>
+            <a:r>
+              <a:rPr lang="en-US" sz="5100" b="1" dirty="0"/>
+              <a:t>fbs_over_120: </a:t>
+            </a:r>
+            <a:r>
+              <a:rPr lang="en-US" sz="5100" dirty="0"/>
+              <a:t>(fasting blood sugar &gt; 120 mg/dl) (1 = true; 0 = false)</a:t>
+            </a:r>
+          </a:p>
+          <a:p>
+            <a:r>
+              <a:rPr lang="en-US" sz="5100" b="1" dirty="0"/>
+              <a:t>ekg_results: </a:t>
+            </a:r>
+            <a:r>
+              <a:rPr lang="en-US" sz="5100" dirty="0"/>
+              <a:t>resting electrocardiographic results -- Value 0: normal -- Value 1: having ST-T wave abnormality (T wave inversions and/or ST elevation or depression of &gt; 0.05 mV) -- Value 2: showing probable or definite left ventricular hypertrophy</a:t>
+            </a:r>
+          </a:p>
+          <a:p>
+            <a:r>
+              <a:rPr lang="en-US" sz="5100" b="1" dirty="0"/>
+              <a:t>max_hr:</a:t>
+            </a:r>
+            <a:r>
+              <a:rPr lang="en-US" sz="5100" dirty="0"/>
+              <a:t> maximum heart rate achieved</a:t>
+            </a:r>
+          </a:p>
+          <a:p>
+            <a:r>
+              <a:rPr lang="en-US" sz="5100" b="1" dirty="0"/>
+              <a:t>exercise_angina: </a:t>
+            </a:r>
+            <a:r>
+              <a:rPr lang="en-US" sz="5100" dirty="0"/>
+              <a:t>exercise induced angina (1 = yes; 0 = no)</a:t>
+            </a:r>
+          </a:p>
+          <a:p>
+            <a:r>
+              <a:rPr lang="en-US" sz="5100" b="1" dirty="0"/>
+              <a:t>st_depression: </a:t>
+            </a:r>
+            <a:r>
+              <a:rPr lang="en-US" sz="5100" dirty="0"/>
+              <a:t>ST depression induced by exercise relative to rest</a:t>
+            </a:r>
+          </a:p>
+          <a:p>
+            <a:r>
+              <a:rPr lang="en-US" sz="5100" b="1" dirty="0"/>
+              <a:t>slope_of_st: </a:t>
+            </a:r>
+            <a:r>
+              <a:rPr lang="en-US" sz="5100" dirty="0"/>
+              <a:t>the slope of the peak exercise ST segment -- Value 1: upsloping -- Value 2: flat -- Value 3: down sloping</a:t>
+            </a:r>
+          </a:p>
+          <a:p>
+            <a:r>
+              <a:rPr lang="en-US" sz="5100" b="1" dirty="0"/>
+              <a:t>number_of_vessels_fluro: </a:t>
+            </a:r>
+            <a:r>
+              <a:rPr lang="en-US" sz="5100" dirty="0"/>
+              <a:t>number of major vessels (0-3) colored by flourosopy</a:t>
+            </a:r>
+          </a:p>
+          <a:p>
+            <a:r>
+              <a:rPr lang="en-US" sz="5100" b="1" dirty="0"/>
+              <a:t>thallium:</a:t>
+            </a:r>
+            <a:r>
+              <a:rPr lang="en-US" sz="5100" dirty="0"/>
+              <a:t> 3 = normal; 6 = fixed defect; 7 = reversable defect</a:t>
+            </a:r>
+          </a:p>
+          <a:p>
+            <a:r>
+              <a:rPr lang="en-US" sz="5100" b="1" dirty="0"/>
+              <a:t>heart_disease: </a:t>
+            </a:r>
+            <a:r>
+              <a:rPr lang="en-US" sz="5100" dirty="0"/>
+              <a:t>Value 0: &lt; 50% diameter narrowing -- Value 1: &gt; 50% diameter narrowing</a:t>
+            </a:r>
+          </a:p>
           <a:p>
             <a:endParaRPr lang="en-US" dirty="0"/>
           </a:p>
@@ -4018,7 +4910,9 @@
         </p:nvSpPr>
         <p:spPr/>
         <p:txBody>
-          <a:bodyPr/>
+          <a:bodyPr>
+            <a:normAutofit fontScale="90000"/>
+          </a:bodyPr>
           <a:lstStyle/>
           <a:p>
             <a:r>
@@ -4036,7 +4930,7 @@
                 <a:ea typeface="+mj-ea"/>
                 <a:cs typeface="+mj-cs"/>
               </a:rPr>
-              <a:t>Correlation with output variable</a:t>
+              <a:t>High correlation with output variable(Heart Disease)</a:t>
             </a:r>
             <a:br>
               <a:rPr kumimoji="0" lang="en-US" sz="4400" b="0" i="0" u="none" strike="noStrike" kern="1200" cap="none" spc="0" normalizeH="0" baseline="0" noProof="0" dirty="0">
@@ -4076,8 +4970,8 @@
         </p:nvSpPr>
         <p:spPr>
           <a:xfrm>
-            <a:off x="838200" y="1109272"/>
-            <a:ext cx="10854128" cy="5383603"/>
+            <a:off x="838201" y="1319134"/>
+            <a:ext cx="11078980" cy="5336500"/>
           </a:xfrm>
         </p:spPr>
         <p:txBody>
@@ -4087,94 +4981,86 @@
           <a:lstStyle/>
           <a:p>
             <a:r>
-              <a:rPr lang="en-US" sz="2400" dirty="0"/>
-              <a:t>Age                       0.212322</a:t>
-            </a:r>
-          </a:p>
-          <a:p>
-            <a:r>
-              <a:rPr lang="en-US" sz="2400" dirty="0"/>
-              <a:t>Sex                        0.297721</a:t>
-            </a:r>
-          </a:p>
-          <a:p>
-            <a:r>
-              <a:rPr lang="en-US" sz="2400" dirty="0"/>
-              <a:t>Chest pain type  0.417436</a:t>
-            </a:r>
-          </a:p>
-          <a:p>
-            <a:r>
-              <a:rPr lang="en-US" sz="2400" dirty="0"/>
-              <a:t>BP                          0.155383</a:t>
-            </a:r>
-          </a:p>
-          <a:p>
-            <a:r>
-              <a:rPr lang="en-US" sz="2400" dirty="0"/>
-              <a:t>Cholesterol           0.118021</a:t>
-            </a:r>
-          </a:p>
-          <a:p>
-            <a:r>
-              <a:rPr lang="en-US" sz="2400" dirty="0"/>
-              <a:t>FBS over 120         0.016319</a:t>
-            </a:r>
-          </a:p>
-          <a:p>
-            <a:r>
-              <a:rPr lang="en-US" sz="2400" dirty="0"/>
-              <a:t>EKG results              0.182091</a:t>
-            </a:r>
-          </a:p>
-          <a:p>
-            <a:r>
-              <a:rPr lang="en-US" sz="2400" dirty="0"/>
-              <a:t>Max HR                     0.418514</a:t>
-            </a:r>
-          </a:p>
-          <a:p>
-            <a:r>
-              <a:rPr lang="en-US" sz="2400" dirty="0"/>
-              <a:t>Exercise angina            0.419303</a:t>
-            </a:r>
-          </a:p>
-          <a:p>
-            <a:r>
-              <a:rPr lang="en-US" sz="2400" dirty="0"/>
-              <a:t>ST depression              0.417967</a:t>
-            </a:r>
-          </a:p>
-          <a:p>
-            <a:r>
-              <a:rPr lang="en-US" sz="2400" dirty="0"/>
-              <a:t>Slope of ST                0.337616</a:t>
-            </a:r>
-          </a:p>
-          <a:p>
-            <a:r>
-              <a:rPr lang="en-US" sz="2400" dirty="0"/>
-              <a:t>Number of vessels </a:t>
-            </a:r>
-            <a:r>
-              <a:rPr lang="en-US" sz="2400" dirty="0" err="1"/>
-              <a:t>fluro</a:t>
-            </a:r>
-            <a:r>
-              <a:rPr lang="en-US" sz="2400" dirty="0"/>
-              <a:t>    0.455336</a:t>
-            </a:r>
-          </a:p>
-          <a:p>
-            <a:r>
-              <a:rPr lang="en-US" sz="2400" dirty="0"/>
-              <a:t>Thallium                   0.525020</a:t>
-            </a:r>
-          </a:p>
-          <a:p>
-            <a:r>
-              <a:rPr lang="en-US" sz="2400" dirty="0"/>
-              <a:t>Heart Disease              1.000000</a:t>
+              <a:rPr lang="en-US" dirty="0"/>
+              <a:t>Age                                       0.212322</a:t>
+            </a:r>
+          </a:p>
+          <a:p>
+            <a:r>
+              <a:rPr lang="en-US" dirty="0"/>
+              <a:t>Sex                                        0.297721</a:t>
+            </a:r>
+          </a:p>
+          <a:p>
+            <a:r>
+              <a:rPr lang="en-US" dirty="0"/>
+              <a:t>Chest pain type                  </a:t>
+            </a:r>
+            <a:r>
+              <a:rPr lang="en-US" b="1" dirty="0"/>
+              <a:t>0.417436</a:t>
+            </a:r>
+          </a:p>
+          <a:p>
+            <a:r>
+              <a:rPr lang="en-US" dirty="0"/>
+              <a:t>Max HR                                </a:t>
+            </a:r>
+            <a:r>
+              <a:rPr lang="en-US" b="1" dirty="0"/>
+              <a:t>0.418514</a:t>
+            </a:r>
+          </a:p>
+          <a:p>
+            <a:r>
+              <a:rPr lang="en-US" dirty="0"/>
+              <a:t>Exercise angina                   </a:t>
+            </a:r>
+            <a:r>
+              <a:rPr lang="en-US" b="1" dirty="0"/>
+              <a:t>0.419303</a:t>
+            </a:r>
+          </a:p>
+          <a:p>
+            <a:r>
+              <a:rPr lang="en-US" dirty="0"/>
+              <a:t>ST depression                      </a:t>
+            </a:r>
+            <a:r>
+              <a:rPr lang="en-US" b="1" dirty="0"/>
+              <a:t>0.417967</a:t>
+            </a:r>
+          </a:p>
+          <a:p>
+            <a:r>
+              <a:rPr lang="en-US" dirty="0"/>
+              <a:t>Slope of ST                           0.337616</a:t>
+            </a:r>
+          </a:p>
+          <a:p>
+            <a:r>
+              <a:rPr lang="en-US" dirty="0"/>
+              <a:t>Number of vessels fluro    </a:t>
+            </a:r>
+            <a:r>
+              <a:rPr lang="en-US" b="1" dirty="0"/>
+              <a:t>0.455336</a:t>
+            </a:r>
+          </a:p>
+          <a:p>
+            <a:r>
+              <a:rPr lang="en-US" dirty="0"/>
+              <a:t>Thallium                               </a:t>
+            </a:r>
+            <a:r>
+              <a:rPr lang="en-US" b="1" dirty="0"/>
+              <a:t>0.525020</a:t>
+            </a:r>
+          </a:p>
+          <a:p>
+            <a:r>
+              <a:rPr lang="en-US" dirty="0"/>
+              <a:t>Heart Disease                      1.000000</a:t>
             </a:r>
           </a:p>
         </p:txBody>
@@ -4183,6 +5069,229 @@
     <p:extLst>
       <p:ext uri="{BB962C8B-B14F-4D97-AF65-F5344CB8AC3E}">
         <p14:creationId xmlns:p14="http://schemas.microsoft.com/office/powerpoint/2010/main" val="3326844915"/>
+      </p:ext>
+    </p:extLst>
+  </p:cSld>
+  <p:clrMapOvr>
+    <a:masterClrMapping/>
+  </p:clrMapOvr>
+</p:sld>
+</file>
+
+<file path=ppt/slides/slide8.xml><?xml version="1.0" encoding="utf-8"?>
+<p:sld xmlns:a="http://schemas.openxmlformats.org/drawingml/2006/main" xmlns:r="http://schemas.openxmlformats.org/officeDocument/2006/relationships" xmlns:p="http://schemas.openxmlformats.org/presentationml/2006/main">
+  <p:cSld>
+    <p:spTree>
+      <p:nvGrpSpPr>
+        <p:cNvPr id="1" name=""/>
+        <p:cNvGrpSpPr/>
+        <p:nvPr/>
+      </p:nvGrpSpPr>
+      <p:grpSpPr>
+        <a:xfrm>
+          <a:off x="0" y="0"/>
+          <a:ext cx="0" cy="0"/>
+          <a:chOff x="0" y="0"/>
+          <a:chExt cx="0" cy="0"/>
+        </a:xfrm>
+      </p:grpSpPr>
+      <p:sp>
+        <p:nvSpPr>
+          <p:cNvPr id="2" name="Title 1">
+            <a:extLst>
+              <a:ext uri="{FF2B5EF4-FFF2-40B4-BE49-F238E27FC236}">
+                <a16:creationId xmlns:a16="http://schemas.microsoft.com/office/drawing/2014/main" id="{60D2BE89-ADE1-4724-BBEB-B84DA8730E10}"/>
+              </a:ext>
+            </a:extLst>
+          </p:cNvPr>
+          <p:cNvSpPr>
+            <a:spLocks noGrp="1"/>
+          </p:cNvSpPr>
+          <p:nvPr>
+            <p:ph type="title"/>
+          </p:nvPr>
+        </p:nvSpPr>
+        <p:spPr>
+          <a:xfrm>
+            <a:off x="644577" y="1"/>
+            <a:ext cx="10709223" cy="1690688"/>
+          </a:xfrm>
+        </p:spPr>
+        <p:txBody>
+          <a:bodyPr>
+            <a:normAutofit fontScale="90000"/>
+          </a:bodyPr>
+          <a:lstStyle/>
+          <a:p>
+            <a:r>
+              <a:rPr lang="en-US" b="1" dirty="0">
+                <a:solidFill>
+                  <a:srgbClr val="6796E6"/>
+                </a:solidFill>
+                <a:effectLst/>
+                <a:latin typeface="Consolas" panose="020B0609020204030204" pitchFamily="49" charset="0"/>
+              </a:rPr>
+              <a:t>GOAL OF THE PROJECT/ PROBLEM STATEMENT</a:t>
+            </a:r>
+            <a:br>
+              <a:rPr lang="en-US" b="0" dirty="0">
+                <a:solidFill>
+                  <a:srgbClr val="FFFFFF"/>
+                </a:solidFill>
+                <a:effectLst/>
+                <a:latin typeface="Consolas" panose="020B0609020204030204" pitchFamily="49" charset="0"/>
+              </a:rPr>
+            </a:br>
+            <a:endParaRPr lang="en-US" dirty="0"/>
+          </a:p>
+        </p:txBody>
+      </p:sp>
+      <p:sp>
+        <p:nvSpPr>
+          <p:cNvPr id="3" name="Content Placeholder 2">
+            <a:extLst>
+              <a:ext uri="{FF2B5EF4-FFF2-40B4-BE49-F238E27FC236}">
+                <a16:creationId xmlns:a16="http://schemas.microsoft.com/office/drawing/2014/main" id="{97B393F9-2B65-9E68-F7B5-CC1D92D7906F}"/>
+              </a:ext>
+            </a:extLst>
+          </p:cNvPr>
+          <p:cNvSpPr>
+            <a:spLocks noGrp="1"/>
+          </p:cNvSpPr>
+          <p:nvPr>
+            <p:ph idx="1"/>
+          </p:nvPr>
+        </p:nvSpPr>
+        <p:spPr/>
+        <p:txBody>
+          <a:bodyPr/>
+          <a:lstStyle/>
+          <a:p>
+            <a:r>
+              <a:rPr lang="en-US" dirty="0"/>
+              <a:t>The goal of this project is to develop a machine learning model that can be used to predict whether an individual is at risk of having heart disease or not based on the variables acquired from the University of California Irvine data repository.</a:t>
+            </a:r>
+          </a:p>
+        </p:txBody>
+      </p:sp>
+    </p:spTree>
+    <p:extLst>
+      <p:ext uri="{BB962C8B-B14F-4D97-AF65-F5344CB8AC3E}">
+        <p14:creationId xmlns:p14="http://schemas.microsoft.com/office/powerpoint/2010/main" val="2856948384"/>
+      </p:ext>
+    </p:extLst>
+  </p:cSld>
+  <p:clrMapOvr>
+    <a:masterClrMapping/>
+  </p:clrMapOvr>
+</p:sld>
+</file>
+
+<file path=ppt/slides/slide9.xml><?xml version="1.0" encoding="utf-8"?>
+<p:sld xmlns:a="http://schemas.openxmlformats.org/drawingml/2006/main" xmlns:r="http://schemas.openxmlformats.org/officeDocument/2006/relationships" xmlns:p="http://schemas.openxmlformats.org/presentationml/2006/main">
+  <p:cSld>
+    <p:spTree>
+      <p:nvGrpSpPr>
+        <p:cNvPr id="1" name=""/>
+        <p:cNvGrpSpPr/>
+        <p:nvPr/>
+      </p:nvGrpSpPr>
+      <p:grpSpPr>
+        <a:xfrm>
+          <a:off x="0" y="0"/>
+          <a:ext cx="0" cy="0"/>
+          <a:chOff x="0" y="0"/>
+          <a:chExt cx="0" cy="0"/>
+        </a:xfrm>
+      </p:grpSpPr>
+      <p:sp>
+        <p:nvSpPr>
+          <p:cNvPr id="2" name="Title 1">
+            <a:extLst>
+              <a:ext uri="{FF2B5EF4-FFF2-40B4-BE49-F238E27FC236}">
+                <a16:creationId xmlns:a16="http://schemas.microsoft.com/office/drawing/2014/main" id="{473F92B4-3C92-D106-9D0D-D3E8F6C769DF}"/>
+              </a:ext>
+            </a:extLst>
+          </p:cNvPr>
+          <p:cNvSpPr>
+            <a:spLocks noGrp="1"/>
+          </p:cNvSpPr>
+          <p:nvPr>
+            <p:ph type="title"/>
+          </p:nvPr>
+        </p:nvSpPr>
+        <p:spPr/>
+        <p:txBody>
+          <a:bodyPr/>
+          <a:lstStyle/>
+          <a:p>
+            <a:r>
+              <a:rPr lang="en-US" b="1" dirty="0">
+                <a:solidFill>
+                  <a:srgbClr val="6796E6"/>
+                </a:solidFill>
+                <a:effectLst/>
+                <a:latin typeface="Consolas" panose="020B0609020204030204" pitchFamily="49" charset="0"/>
+              </a:rPr>
+              <a:t>Observations from EDA</a:t>
+            </a:r>
+            <a:br>
+              <a:rPr lang="en-US" b="0" dirty="0">
+                <a:solidFill>
+                  <a:srgbClr val="FFFFFF"/>
+                </a:solidFill>
+                <a:effectLst/>
+                <a:latin typeface="Consolas" panose="020B0609020204030204" pitchFamily="49" charset="0"/>
+              </a:rPr>
+            </a:br>
+            <a:endParaRPr lang="en-US" dirty="0"/>
+          </a:p>
+        </p:txBody>
+      </p:sp>
+      <p:sp>
+        <p:nvSpPr>
+          <p:cNvPr id="3" name="Content Placeholder 2">
+            <a:extLst>
+              <a:ext uri="{FF2B5EF4-FFF2-40B4-BE49-F238E27FC236}">
+                <a16:creationId xmlns:a16="http://schemas.microsoft.com/office/drawing/2014/main" id="{2C24C485-5C23-A2B9-8DE4-60E5505D7900}"/>
+              </a:ext>
+            </a:extLst>
+          </p:cNvPr>
+          <p:cNvSpPr>
+            <a:spLocks noGrp="1"/>
+          </p:cNvSpPr>
+          <p:nvPr>
+            <p:ph idx="1"/>
+          </p:nvPr>
+        </p:nvSpPr>
+        <p:spPr/>
+        <p:txBody>
+          <a:bodyPr/>
+          <a:lstStyle/>
+          <a:p>
+            <a:r>
+              <a:rPr lang="en-US" dirty="0"/>
+              <a:t>The average age in the data set is 54, median is 55 and the minimum and maximum ages are 29 and 77 respectively.</a:t>
+            </a:r>
+          </a:p>
+          <a:p>
+            <a:r>
+              <a:rPr lang="en-US" dirty="0"/>
+              <a:t>All the categorical values e.g. sex have been encoded hence no need for encoding. Only the Heart disease column needed encoding.</a:t>
+            </a:r>
+          </a:p>
+          <a:p>
+            <a:r>
+              <a:rPr lang="en-US" dirty="0"/>
+              <a:t>There are also no null values in the dataset.</a:t>
+            </a:r>
+          </a:p>
+        </p:txBody>
+      </p:sp>
+    </p:spTree>
+    <p:extLst>
+      <p:ext uri="{BB962C8B-B14F-4D97-AF65-F5344CB8AC3E}">
+        <p14:creationId xmlns:p14="http://schemas.microsoft.com/office/powerpoint/2010/main" val="183268974"/>
       </p:ext>
     </p:extLst>
   </p:cSld>

--- a/Heart Disease Prediction.pptx
+++ b/Heart Disease Prediction.pptx
@@ -273,7 +273,7 @@
           <a:p>
             <a:fld id="{6E67E6EB-5218-4AD8-AE13-DBB5BD2A8418}" type="datetimeFigureOut">
               <a:rPr lang="en-US" smtClean="0"/>
-              <a:t>6/29/2023</a:t>
+              <a:t>7/18/2023</a:t>
             </a:fld>
             <a:endParaRPr lang="en-US"/>
           </a:p>
@@ -471,7 +471,7 @@
           <a:p>
             <a:fld id="{6E67E6EB-5218-4AD8-AE13-DBB5BD2A8418}" type="datetimeFigureOut">
               <a:rPr lang="en-US" smtClean="0"/>
-              <a:t>6/29/2023</a:t>
+              <a:t>7/18/2023</a:t>
             </a:fld>
             <a:endParaRPr lang="en-US"/>
           </a:p>
@@ -679,7 +679,7 @@
           <a:p>
             <a:fld id="{6E67E6EB-5218-4AD8-AE13-DBB5BD2A8418}" type="datetimeFigureOut">
               <a:rPr lang="en-US" smtClean="0"/>
-              <a:t>6/29/2023</a:t>
+              <a:t>7/18/2023</a:t>
             </a:fld>
             <a:endParaRPr lang="en-US"/>
           </a:p>
@@ -877,7 +877,7 @@
           <a:p>
             <a:fld id="{6E67E6EB-5218-4AD8-AE13-DBB5BD2A8418}" type="datetimeFigureOut">
               <a:rPr lang="en-US" smtClean="0"/>
-              <a:t>6/29/2023</a:t>
+              <a:t>7/18/2023</a:t>
             </a:fld>
             <a:endParaRPr lang="en-US"/>
           </a:p>
@@ -1152,7 +1152,7 @@
           <a:p>
             <a:fld id="{6E67E6EB-5218-4AD8-AE13-DBB5BD2A8418}" type="datetimeFigureOut">
               <a:rPr lang="en-US" smtClean="0"/>
-              <a:t>6/29/2023</a:t>
+              <a:t>7/18/2023</a:t>
             </a:fld>
             <a:endParaRPr lang="en-US"/>
           </a:p>
@@ -1417,7 +1417,7 @@
           <a:p>
             <a:fld id="{6E67E6EB-5218-4AD8-AE13-DBB5BD2A8418}" type="datetimeFigureOut">
               <a:rPr lang="en-US" smtClean="0"/>
-              <a:t>6/29/2023</a:t>
+              <a:t>7/18/2023</a:t>
             </a:fld>
             <a:endParaRPr lang="en-US"/>
           </a:p>
@@ -1829,7 +1829,7 @@
           <a:p>
             <a:fld id="{6E67E6EB-5218-4AD8-AE13-DBB5BD2A8418}" type="datetimeFigureOut">
               <a:rPr lang="en-US" smtClean="0"/>
-              <a:t>6/29/2023</a:t>
+              <a:t>7/18/2023</a:t>
             </a:fld>
             <a:endParaRPr lang="en-US"/>
           </a:p>
@@ -1970,7 +1970,7 @@
           <a:p>
             <a:fld id="{6E67E6EB-5218-4AD8-AE13-DBB5BD2A8418}" type="datetimeFigureOut">
               <a:rPr lang="en-US" smtClean="0"/>
-              <a:t>6/29/2023</a:t>
+              <a:t>7/18/2023</a:t>
             </a:fld>
             <a:endParaRPr lang="en-US"/>
           </a:p>
@@ -2083,7 +2083,7 @@
           <a:p>
             <a:fld id="{6E67E6EB-5218-4AD8-AE13-DBB5BD2A8418}" type="datetimeFigureOut">
               <a:rPr lang="en-US" smtClean="0"/>
-              <a:t>6/29/2023</a:t>
+              <a:t>7/18/2023</a:t>
             </a:fld>
             <a:endParaRPr lang="en-US"/>
           </a:p>
@@ -2394,7 +2394,7 @@
           <a:p>
             <a:fld id="{6E67E6EB-5218-4AD8-AE13-DBB5BD2A8418}" type="datetimeFigureOut">
               <a:rPr lang="en-US" smtClean="0"/>
-              <a:t>6/29/2023</a:t>
+              <a:t>7/18/2023</a:t>
             </a:fld>
             <a:endParaRPr lang="en-US"/>
           </a:p>
@@ -2682,7 +2682,7 @@
           <a:p>
             <a:fld id="{6E67E6EB-5218-4AD8-AE13-DBB5BD2A8418}" type="datetimeFigureOut">
               <a:rPr lang="en-US" smtClean="0"/>
-              <a:t>6/29/2023</a:t>
+              <a:t>7/18/2023</a:t>
             </a:fld>
             <a:endParaRPr lang="en-US"/>
           </a:p>
@@ -2923,7 +2923,7 @@
           <a:p>
             <a:fld id="{6E67E6EB-5218-4AD8-AE13-DBB5BD2A8418}" type="datetimeFigureOut">
               <a:rPr lang="en-US" smtClean="0"/>
-              <a:t>6/29/2023</a:t>
+              <a:t>7/18/2023</a:t>
             </a:fld>
             <a:endParaRPr lang="en-US"/>
           </a:p>
@@ -3476,7 +3476,7 @@
                 <a:ea typeface="+mj-ea"/>
                 <a:cs typeface="+mj-cs"/>
               </a:rPr>
-              <a:t>ighly</a:t>
+              <a:t>igh</a:t>
             </a:r>
             <a:r>
               <a:rPr kumimoji="0" lang="en-US" sz="4000" b="1" i="0" u="none" strike="noStrike" kern="1200" cap="none" spc="0" normalizeH="0" baseline="0" noProof="0" dirty="0">
@@ -3603,7 +3603,7 @@
                 <a:ea typeface="+mj-ea"/>
                 <a:cs typeface="+mj-cs"/>
               </a:rPr>
-              <a:t>ighly</a:t>
+              <a:t>igh</a:t>
             </a:r>
             <a:r>
               <a:rPr kumimoji="0" lang="en-US" sz="4400" b="1" i="0" u="none" strike="noStrike" kern="1200" cap="none" spc="0" normalizeH="0" baseline="0" noProof="0" dirty="0">
@@ -3730,7 +3730,7 @@
                 <a:ea typeface="+mj-ea"/>
                 <a:cs typeface="+mj-cs"/>
               </a:rPr>
-              <a:t>ighly</a:t>
+              <a:t>igh</a:t>
             </a:r>
             <a:r>
               <a:rPr kumimoji="0" lang="en-US" sz="4400" b="1" i="0" u="none" strike="noStrike" kern="1200" cap="none" spc="0" normalizeH="0" baseline="0" noProof="0" dirty="0">

--- a/Heart Disease Prediction.pptx
+++ b/Heart Disease Prediction.pptx
@@ -273,7 +273,7 @@
           <a:p>
             <a:fld id="{6E67E6EB-5218-4AD8-AE13-DBB5BD2A8418}" type="datetimeFigureOut">
               <a:rPr lang="en-US" smtClean="0"/>
-              <a:t>7/18/2023</a:t>
+              <a:t>7/25/2023</a:t>
             </a:fld>
             <a:endParaRPr lang="en-US"/>
           </a:p>
@@ -471,7 +471,7 @@
           <a:p>
             <a:fld id="{6E67E6EB-5218-4AD8-AE13-DBB5BD2A8418}" type="datetimeFigureOut">
               <a:rPr lang="en-US" smtClean="0"/>
-              <a:t>7/18/2023</a:t>
+              <a:t>7/25/2023</a:t>
             </a:fld>
             <a:endParaRPr lang="en-US"/>
           </a:p>
@@ -679,7 +679,7 @@
           <a:p>
             <a:fld id="{6E67E6EB-5218-4AD8-AE13-DBB5BD2A8418}" type="datetimeFigureOut">
               <a:rPr lang="en-US" smtClean="0"/>
-              <a:t>7/18/2023</a:t>
+              <a:t>7/25/2023</a:t>
             </a:fld>
             <a:endParaRPr lang="en-US"/>
           </a:p>
@@ -877,7 +877,7 @@
           <a:p>
             <a:fld id="{6E67E6EB-5218-4AD8-AE13-DBB5BD2A8418}" type="datetimeFigureOut">
               <a:rPr lang="en-US" smtClean="0"/>
-              <a:t>7/18/2023</a:t>
+              <a:t>7/25/2023</a:t>
             </a:fld>
             <a:endParaRPr lang="en-US"/>
           </a:p>
@@ -1152,7 +1152,7 @@
           <a:p>
             <a:fld id="{6E67E6EB-5218-4AD8-AE13-DBB5BD2A8418}" type="datetimeFigureOut">
               <a:rPr lang="en-US" smtClean="0"/>
-              <a:t>7/18/2023</a:t>
+              <a:t>7/25/2023</a:t>
             </a:fld>
             <a:endParaRPr lang="en-US"/>
           </a:p>
@@ -1417,7 +1417,7 @@
           <a:p>
             <a:fld id="{6E67E6EB-5218-4AD8-AE13-DBB5BD2A8418}" type="datetimeFigureOut">
               <a:rPr lang="en-US" smtClean="0"/>
-              <a:t>7/18/2023</a:t>
+              <a:t>7/25/2023</a:t>
             </a:fld>
             <a:endParaRPr lang="en-US"/>
           </a:p>
@@ -1829,7 +1829,7 @@
           <a:p>
             <a:fld id="{6E67E6EB-5218-4AD8-AE13-DBB5BD2A8418}" type="datetimeFigureOut">
               <a:rPr lang="en-US" smtClean="0"/>
-              <a:t>7/18/2023</a:t>
+              <a:t>7/25/2023</a:t>
             </a:fld>
             <a:endParaRPr lang="en-US"/>
           </a:p>
@@ -1970,7 +1970,7 @@
           <a:p>
             <a:fld id="{6E67E6EB-5218-4AD8-AE13-DBB5BD2A8418}" type="datetimeFigureOut">
               <a:rPr lang="en-US" smtClean="0"/>
-              <a:t>7/18/2023</a:t>
+              <a:t>7/25/2023</a:t>
             </a:fld>
             <a:endParaRPr lang="en-US"/>
           </a:p>
@@ -2083,7 +2083,7 @@
           <a:p>
             <a:fld id="{6E67E6EB-5218-4AD8-AE13-DBB5BD2A8418}" type="datetimeFigureOut">
               <a:rPr lang="en-US" smtClean="0"/>
-              <a:t>7/18/2023</a:t>
+              <a:t>7/25/2023</a:t>
             </a:fld>
             <a:endParaRPr lang="en-US"/>
           </a:p>
@@ -2394,7 +2394,7 @@
           <a:p>
             <a:fld id="{6E67E6EB-5218-4AD8-AE13-DBB5BD2A8418}" type="datetimeFigureOut">
               <a:rPr lang="en-US" smtClean="0"/>
-              <a:t>7/18/2023</a:t>
+              <a:t>7/25/2023</a:t>
             </a:fld>
             <a:endParaRPr lang="en-US"/>
           </a:p>
@@ -2682,7 +2682,7 @@
           <a:p>
             <a:fld id="{6E67E6EB-5218-4AD8-AE13-DBB5BD2A8418}" type="datetimeFigureOut">
               <a:rPr lang="en-US" smtClean="0"/>
-              <a:t>7/18/2023</a:t>
+              <a:t>7/25/2023</a:t>
             </a:fld>
             <a:endParaRPr lang="en-US"/>
           </a:p>
@@ -2923,7 +2923,7 @@
           <a:p>
             <a:fld id="{6E67E6EB-5218-4AD8-AE13-DBB5BD2A8418}" type="datetimeFigureOut">
               <a:rPr lang="en-US" smtClean="0"/>
-              <a:t>7/18/2023</a:t>
+              <a:t>7/25/2023</a:t>
             </a:fld>
             <a:endParaRPr lang="en-US"/>
           </a:p>
@@ -4124,7 +4124,16 @@
           <a:bodyPr/>
           <a:lstStyle/>
           <a:p>
-            <a:endParaRPr lang="en-US" dirty="0"/>
+            <a:r>
+              <a:rPr lang="en-US" dirty="0"/>
+              <a:t>Here is the link to the streamlit application</a:t>
+            </a:r>
+          </a:p>
+          <a:p>
+            <a:r>
+              <a:rPr lang="en-US" dirty="0"/>
+              <a:t>https://heartdiseasepredictionprojectgi-jsa81287urq.streamlit.app/</a:t>
+            </a:r>
           </a:p>
         </p:txBody>
       </p:sp>
